--- a/Artificial Intelligence/01 - Introdução à Inteligência Artificial (IA).pptx
+++ b/Artificial Intelligence/01 - Introdução à Inteligência Artificial (IA).pptx
@@ -170,7 +170,7 @@
   <pc:docChgLst>
     <pc:chgData name="Tiago Lima" userId="cee0c9f1fbe86a33" providerId="LiveId" clId="{9C5F9224-86B3-4961-9227-FCABDC624F08}"/>
     <pc:docChg chg="undo custSel addSld delSld modSld sldOrd">
-      <pc:chgData name="Tiago Lima" userId="cee0c9f1fbe86a33" providerId="LiveId" clId="{9C5F9224-86B3-4961-9227-FCABDC624F08}" dt="2024-09-12T11:37:01.439" v="2067" actId="6549"/>
+      <pc:chgData name="Tiago Lima" userId="cee0c9f1fbe86a33" providerId="LiveId" clId="{9C5F9224-86B3-4961-9227-FCABDC624F08}" dt="2024-09-12T11:52:36.858" v="2079" actId="113"/>
       <pc:docMkLst>
         <pc:docMk/>
       </pc:docMkLst>
@@ -1126,13 +1126,13 @@
         </pc:spChg>
       </pc:sldChg>
       <pc:sldChg chg="addSp delSp modSp new mod setBg">
-        <pc:chgData name="Tiago Lima" userId="cee0c9f1fbe86a33" providerId="LiveId" clId="{9C5F9224-86B3-4961-9227-FCABDC624F08}" dt="2024-09-10T14:31:16.456" v="1858" actId="26606"/>
+        <pc:chgData name="Tiago Lima" userId="cee0c9f1fbe86a33" providerId="LiveId" clId="{9C5F9224-86B3-4961-9227-FCABDC624F08}" dt="2024-09-12T11:51:24.241" v="2069" actId="20577"/>
         <pc:sldMkLst>
           <pc:docMk/>
           <pc:sldMk cId="2750954509" sldId="271"/>
         </pc:sldMkLst>
         <pc:spChg chg="mod">
-          <ac:chgData name="Tiago Lima" userId="cee0c9f1fbe86a33" providerId="LiveId" clId="{9C5F9224-86B3-4961-9227-FCABDC624F08}" dt="2024-09-10T14:31:16.456" v="1858" actId="26606"/>
+          <ac:chgData name="Tiago Lima" userId="cee0c9f1fbe86a33" providerId="LiveId" clId="{9C5F9224-86B3-4961-9227-FCABDC624F08}" dt="2024-09-12T11:51:24.241" v="2069" actId="20577"/>
           <ac:spMkLst>
             <pc:docMk/>
             <pc:sldMk cId="2750954509" sldId="271"/>
@@ -1244,13 +1244,13 @@
         </pc:spChg>
       </pc:sldChg>
       <pc:sldChg chg="addSp modSp add mod setBg">
-        <pc:chgData name="Tiago Lima" userId="cee0c9f1fbe86a33" providerId="LiveId" clId="{9C5F9224-86B3-4961-9227-FCABDC624F08}" dt="2024-09-10T14:32:56.282" v="1865" actId="123"/>
+        <pc:chgData name="Tiago Lima" userId="cee0c9f1fbe86a33" providerId="LiveId" clId="{9C5F9224-86B3-4961-9227-FCABDC624F08}" dt="2024-09-12T11:51:35.612" v="2071" actId="20577"/>
         <pc:sldMkLst>
           <pc:docMk/>
           <pc:sldMk cId="654969084" sldId="272"/>
         </pc:sldMkLst>
         <pc:spChg chg="mod">
-          <ac:chgData name="Tiago Lima" userId="cee0c9f1fbe86a33" providerId="LiveId" clId="{9C5F9224-86B3-4961-9227-FCABDC624F08}" dt="2024-09-10T14:32:42.152" v="1864" actId="26606"/>
+          <ac:chgData name="Tiago Lima" userId="cee0c9f1fbe86a33" providerId="LiveId" clId="{9C5F9224-86B3-4961-9227-FCABDC624F08}" dt="2024-09-12T11:51:35.612" v="2071" actId="20577"/>
           <ac:spMkLst>
             <pc:docMk/>
             <pc:sldMk cId="654969084" sldId="272"/>
@@ -1291,13 +1291,13 @@
         </pc:spChg>
       </pc:sldChg>
       <pc:sldChg chg="addSp modSp add mod ord setBg">
-        <pc:chgData name="Tiago Lima" userId="cee0c9f1fbe86a33" providerId="LiveId" clId="{9C5F9224-86B3-4961-9227-FCABDC624F08}" dt="2024-09-10T14:33:03.487" v="1866" actId="123"/>
+        <pc:chgData name="Tiago Lima" userId="cee0c9f1fbe86a33" providerId="LiveId" clId="{9C5F9224-86B3-4961-9227-FCABDC624F08}" dt="2024-09-12T11:51:40.103" v="2073" actId="20577"/>
         <pc:sldMkLst>
           <pc:docMk/>
           <pc:sldMk cId="1091741595" sldId="273"/>
         </pc:sldMkLst>
         <pc:spChg chg="mod">
-          <ac:chgData name="Tiago Lima" userId="cee0c9f1fbe86a33" providerId="LiveId" clId="{9C5F9224-86B3-4961-9227-FCABDC624F08}" dt="2024-09-10T14:32:14.064" v="1859" actId="26606"/>
+          <ac:chgData name="Tiago Lima" userId="cee0c9f1fbe86a33" providerId="LiveId" clId="{9C5F9224-86B3-4961-9227-FCABDC624F08}" dt="2024-09-12T11:51:40.103" v="2073" actId="20577"/>
           <ac:spMkLst>
             <pc:docMk/>
             <pc:sldMk cId="1091741595" sldId="273"/>
@@ -1338,13 +1338,13 @@
         </pc:spChg>
       </pc:sldChg>
       <pc:sldChg chg="addSp modSp add mod ord setBg">
-        <pc:chgData name="Tiago Lima" userId="cee0c9f1fbe86a33" providerId="LiveId" clId="{9C5F9224-86B3-4961-9227-FCABDC624F08}" dt="2024-09-10T14:33:08.779" v="1867" actId="123"/>
+        <pc:chgData name="Tiago Lima" userId="cee0c9f1fbe86a33" providerId="LiveId" clId="{9C5F9224-86B3-4961-9227-FCABDC624F08}" dt="2024-09-12T11:51:48.771" v="2075" actId="20577"/>
         <pc:sldMkLst>
           <pc:docMk/>
           <pc:sldMk cId="2341822973" sldId="274"/>
         </pc:sldMkLst>
         <pc:spChg chg="mod">
-          <ac:chgData name="Tiago Lima" userId="cee0c9f1fbe86a33" providerId="LiveId" clId="{9C5F9224-86B3-4961-9227-FCABDC624F08}" dt="2024-09-10T14:32:19.763" v="1860" actId="26606"/>
+          <ac:chgData name="Tiago Lima" userId="cee0c9f1fbe86a33" providerId="LiveId" clId="{9C5F9224-86B3-4961-9227-FCABDC624F08}" dt="2024-09-12T11:51:48.771" v="2075" actId="20577"/>
           <ac:spMkLst>
             <pc:docMk/>
             <pc:sldMk cId="2341822973" sldId="274"/>
@@ -1385,13 +1385,13 @@
         </pc:spChg>
       </pc:sldChg>
       <pc:sldChg chg="addSp modSp add mod ord setBg">
-        <pc:chgData name="Tiago Lima" userId="cee0c9f1fbe86a33" providerId="LiveId" clId="{9C5F9224-86B3-4961-9227-FCABDC624F08}" dt="2024-09-10T14:32:36.799" v="1863" actId="26606"/>
+        <pc:chgData name="Tiago Lima" userId="cee0c9f1fbe86a33" providerId="LiveId" clId="{9C5F9224-86B3-4961-9227-FCABDC624F08}" dt="2024-09-12T11:51:54.848" v="2078" actId="27636"/>
         <pc:sldMkLst>
           <pc:docMk/>
           <pc:sldMk cId="1159655034" sldId="275"/>
         </pc:sldMkLst>
         <pc:spChg chg="mod">
-          <ac:chgData name="Tiago Lima" userId="cee0c9f1fbe86a33" providerId="LiveId" clId="{9C5F9224-86B3-4961-9227-FCABDC624F08}" dt="2024-09-10T14:32:36.799" v="1863" actId="26606"/>
+          <ac:chgData name="Tiago Lima" userId="cee0c9f1fbe86a33" providerId="LiveId" clId="{9C5F9224-86B3-4961-9227-FCABDC624F08}" dt="2024-09-12T11:51:54.848" v="2078" actId="27636"/>
           <ac:spMkLst>
             <pc:docMk/>
             <pc:sldMk cId="1159655034" sldId="275"/>
@@ -1466,6 +1466,21 @@
             <pc:docMk/>
             <pc:sldMk cId="247540601" sldId="283"/>
             <ac:spMk id="3" creationId="{85186D81-27C0-4357-7040-120BB5E04858}"/>
+          </ac:spMkLst>
+        </pc:spChg>
+      </pc:sldChg>
+      <pc:sldChg chg="modSp mod">
+        <pc:chgData name="Tiago Lima" userId="cee0c9f1fbe86a33" providerId="LiveId" clId="{9C5F9224-86B3-4961-9227-FCABDC624F08}" dt="2024-09-12T11:52:36.858" v="2079" actId="113"/>
+        <pc:sldMkLst>
+          <pc:docMk/>
+          <pc:sldMk cId="1614453092" sldId="298"/>
+        </pc:sldMkLst>
+        <pc:spChg chg="mod">
+          <ac:chgData name="Tiago Lima" userId="cee0c9f1fbe86a33" providerId="LiveId" clId="{9C5F9224-86B3-4961-9227-FCABDC624F08}" dt="2024-09-12T11:52:36.858" v="2079" actId="113"/>
+          <ac:spMkLst>
+            <pc:docMk/>
+            <pc:sldMk cId="1614453092" sldId="298"/>
+            <ac:spMk id="3" creationId="{E7638836-6909-2646-8D9A-02D2CC5F6CB7}"/>
           </ac:spMkLst>
         </pc:spChg>
       </pc:sldChg>
@@ -7116,14 +7131,14 @@
                       <a:effectLst/>
                       <a:extLst>
                         <a:ext uri="{909E8E84-426E-40dd-AFC4-6F175D3DCCD1}">
-                          <a14:hiddenFill xmlns:a14="http://schemas.microsoft.com/office/drawing/2010/main" xmlns="">
+                          <a14:hiddenFill xmlns="" xmlns:a14="http://schemas.microsoft.com/office/drawing/2010/main">
                             <a:solidFill>
                               <a:schemeClr val="accent1"/>
                             </a:solidFill>
                           </a14:hiddenFill>
                         </a:ext>
                         <a:ext uri="{91240B29-F687-4f45-9708-019B960494DF}">
-                          <a14:hiddenLine xmlns:a14="http://schemas.microsoft.com/office/drawing/2010/main" xmlns="" w="9525">
+                          <a14:hiddenLine xmlns="" xmlns:a14="http://schemas.microsoft.com/office/drawing/2010/main" w="9525">
                             <a:solidFill>
                               <a:schemeClr val="tx1"/>
                             </a:solidFill>
@@ -7133,7 +7148,7 @@
                           </a14:hiddenLine>
                         </a:ext>
                         <a:ext uri="{AF507438-7753-43e0-B8FC-AC1667EBCBE1}">
-                          <a14:hiddenEffects xmlns:a14="http://schemas.microsoft.com/office/drawing/2010/main" xmlns="">
+                          <a14:hiddenEffects xmlns="" xmlns:a14="http://schemas.microsoft.com/office/drawing/2010/main">
                             <a:effectLst>
                               <a:outerShdw blurRad="63500" dist="38099" dir="2700000" algn="ctr" rotWithShape="0">
                                 <a:schemeClr val="bg2">
@@ -10698,8 +10713,8 @@
           <a:lstStyle/>
           <a:p>
             <a:r>
-              <a:rPr lang="pt-BR" sz="4200"/>
-              <a:t>Por que IA se tornou tão importante?</a:t>
+              <a:rPr lang="pt-BR" sz="4200" dirty="0"/>
+              <a:t>Por que AM se tornou tão importante?</a:t>
             </a:r>
           </a:p>
         </p:txBody>
@@ -11451,12 +11466,12 @@
           <a:lstStyle/>
           <a:p>
             <a:r>
-              <a:rPr lang="pt-BR">
+              <a:rPr lang="pt-BR" dirty="0">
                 <a:solidFill>
                   <a:srgbClr val="FFFFFF"/>
                 </a:solidFill>
               </a:rPr>
-              <a:t>Por que IA se tornou tão importante?</a:t>
+              <a:t>Por que AM se tornou tão importante?</a:t>
             </a:r>
           </a:p>
         </p:txBody>
@@ -11833,12 +11848,12 @@
           <a:lstStyle/>
           <a:p>
             <a:r>
-              <a:rPr lang="pt-BR">
+              <a:rPr lang="pt-BR" dirty="0">
                 <a:solidFill>
                   <a:srgbClr val="FFFFFF"/>
                 </a:solidFill>
               </a:rPr>
-              <a:t>Por que IA se tornou tão importante?</a:t>
+              <a:t>Por que AM se tornou tão importante?</a:t>
             </a:r>
           </a:p>
         </p:txBody>
@@ -12272,12 +12287,12 @@
           <a:lstStyle/>
           <a:p>
             <a:r>
-              <a:rPr lang="pt-BR">
+              <a:rPr lang="pt-BR" dirty="0">
                 <a:solidFill>
                   <a:srgbClr val="FFFFFF"/>
                 </a:solidFill>
               </a:rPr>
-              <a:t>Por que IA se tornou tão importante?</a:t>
+              <a:t>Por que AM se tornou tão importante?</a:t>
             </a:r>
           </a:p>
         </p:txBody>
@@ -13086,13 +13101,13 @@
         </p:spPr>
         <p:txBody>
           <a:bodyPr vert="horz" lIns="91440" tIns="45720" rIns="91440" bIns="45720" rtlCol="0" anchor="ctr">
-            <a:normAutofit/>
+            <a:normAutofit fontScale="90000"/>
           </a:bodyPr>
           <a:lstStyle/>
           <a:p>
             <a:pPr algn="ctr"/>
             <a:r>
-              <a:rPr lang="en-US" sz="5600" kern="1200">
+              <a:rPr lang="en-US" sz="5600" kern="1200" dirty="0">
                 <a:solidFill>
                   <a:srgbClr val="FFFFFF"/>
                 </a:solidFill>
@@ -13100,7 +13115,73 @@
                 <a:ea typeface="+mj-ea"/>
                 <a:cs typeface="+mj-cs"/>
               </a:rPr>
-              <a:t>Por que IA se tornou tão importante?</a:t>
+              <a:t>Por que AM se </a:t>
+            </a:r>
+            <a:r>
+              <a:rPr lang="en-US" sz="5600" kern="1200" dirty="0" err="1">
+                <a:solidFill>
+                  <a:srgbClr val="FFFFFF"/>
+                </a:solidFill>
+                <a:latin typeface="+mj-lt"/>
+                <a:ea typeface="+mj-ea"/>
+                <a:cs typeface="+mj-cs"/>
+              </a:rPr>
+              <a:t>tornou</a:t>
+            </a:r>
+            <a:r>
+              <a:rPr lang="en-US" sz="5600" kern="1200" dirty="0">
+                <a:solidFill>
+                  <a:srgbClr val="FFFFFF"/>
+                </a:solidFill>
+                <a:latin typeface="+mj-lt"/>
+                <a:ea typeface="+mj-ea"/>
+                <a:cs typeface="+mj-cs"/>
+              </a:rPr>
+              <a:t> </a:t>
+            </a:r>
+            <a:r>
+              <a:rPr lang="en-US" sz="5600" kern="1200" dirty="0" err="1">
+                <a:solidFill>
+                  <a:srgbClr val="FFFFFF"/>
+                </a:solidFill>
+                <a:latin typeface="+mj-lt"/>
+                <a:ea typeface="+mj-ea"/>
+                <a:cs typeface="+mj-cs"/>
+              </a:rPr>
+              <a:t>tão</a:t>
+            </a:r>
+            <a:r>
+              <a:rPr lang="en-US" sz="5600" kern="1200" dirty="0">
+                <a:solidFill>
+                  <a:srgbClr val="FFFFFF"/>
+                </a:solidFill>
+                <a:latin typeface="+mj-lt"/>
+                <a:ea typeface="+mj-ea"/>
+                <a:cs typeface="+mj-cs"/>
+              </a:rPr>
+              <a:t> </a:t>
+            </a:r>
+            <a:r>
+              <a:rPr lang="en-US" sz="5600" kern="1200" dirty="0" err="1">
+                <a:solidFill>
+                  <a:srgbClr val="FFFFFF"/>
+                </a:solidFill>
+                <a:latin typeface="+mj-lt"/>
+                <a:ea typeface="+mj-ea"/>
+                <a:cs typeface="+mj-cs"/>
+              </a:rPr>
+              <a:t>importante</a:t>
+            </a:r>
+            <a:r>
+              <a:rPr lang="en-US" sz="5600" kern="1200" dirty="0">
+                <a:solidFill>
+                  <a:srgbClr val="FFFFFF"/>
+                </a:solidFill>
+                <a:latin typeface="+mj-lt"/>
+                <a:ea typeface="+mj-ea"/>
+                <a:cs typeface="+mj-cs"/>
+              </a:rPr>
+              <a:t>?</a:t>
             </a:r>
           </a:p>
         </p:txBody>
@@ -20063,14 +20144,18 @@
           <a:p>
             <a:pPr algn="just"/>
             <a:r>
-              <a:rPr lang="pt-BR" dirty="0">
+              <a:rPr lang="pt-BR" b="1" dirty="0">
                 <a:hlinkClick r:id="rId2"/>
               </a:rPr>
               <a:t>Mall Customer Segmentation Data:</a:t>
             </a:r>
             <a:r>
+              <a:rPr lang="pt-BR" b="1" dirty="0"/>
+              <a:t> </a:t>
+            </a:r>
+            <a:r>
               <a:rPr lang="pt-BR" dirty="0"/>
-              <a:t> Este conjunto de dados contém informações sobre clientes de um shopping, incluindo idade, gênero, renda anual e pontuação de gastos. É ideal para praticar a segmentação de clientes com base em seus comportamentos de compra.</a:t>
+              <a:t>Este conjunto de dados contém informações sobre clientes de um shopping, incluindo idade, gênero, renda anual e pontuação de gastos. É ideal para praticar a segmentação de clientes com base em seus comportamentos de compra.</a:t>
             </a:r>
           </a:p>
           <a:p>
